--- a/Docs/slides_v5.8.pptx
+++ b/Docs/slides_v5.8.pptx
@@ -3701,13 +3701,13 @@
   <p:clrMapOvr>
     <a:masterClrMapping/>
   </p:clrMapOvr>
-  <mc:AlternateContent xmlns:mc="http://schemas.openxmlformats.org/markup-compatibility/2006">
-    <mc:Choice xmlns:p14="http://schemas.microsoft.com/office/powerpoint/2010/main" Requires="p14">
+  <mc:AlternateContent xmlns:mc="http://schemas.openxmlformats.org/markup-compatibility/2006" xmlns:p14="http://schemas.microsoft.com/office/powerpoint/2010/main">
+    <mc:Choice Requires="p14">
       <p:transition p14:dur="250">
         <p:fade/>
       </p:transition>
     </mc:Choice>
-    <mc:Fallback>
+    <mc:Fallback xmlns="">
       <p:transition>
         <p:fade/>
       </p:transition>
@@ -5968,13 +5968,7 @@
               <a:rPr lang="en-US" altLang="zh-TW" sz="2400" dirty="0" smtClean="0">
                 <a:latin typeface="Comic Sans MS" panose="030F0702030302020204" pitchFamily="66" charset="0"/>
               </a:rPr>
-              <a:t>collector  </a:t>
-            </a:r>
-            <a:r>
-              <a:rPr lang="en-US" altLang="zh-TW" sz="2400" dirty="0" smtClean="0">
-                <a:latin typeface="Comic Sans MS" panose="030F0702030302020204" pitchFamily="66" charset="0"/>
-              </a:rPr>
-              <a:t>store</a:t>
+              <a:t>collector  store</a:t>
             </a:r>
             <a:endParaRPr lang="zh-TW" altLang="en-US" sz="2400" dirty="0">
               <a:latin typeface="Comic Sans MS" panose="030F0702030302020204" pitchFamily="66" charset="0"/>
@@ -7342,13 +7336,13 @@
   <p:clrMapOvr>
     <a:masterClrMapping/>
   </p:clrMapOvr>
-  <mc:AlternateContent xmlns:mc="http://schemas.openxmlformats.org/markup-compatibility/2006">
-    <mc:Choice xmlns:p14="http://schemas.microsoft.com/office/powerpoint/2010/main" Requires="p14">
+  <mc:AlternateContent xmlns:mc="http://schemas.openxmlformats.org/markup-compatibility/2006" xmlns:p14="http://schemas.microsoft.com/office/powerpoint/2010/main">
+    <mc:Choice Requires="p14">
       <p:transition p14:dur="250">
         <p:fade/>
       </p:transition>
     </mc:Choice>
-    <mc:Fallback>
+    <mc:Fallback xmlns="">
       <p:transition>
         <p:fade/>
       </p:transition>
@@ -9264,15 +9258,7 @@
           <a:p>
             <a:r>
               <a:rPr lang="en-US" altLang="zh-TW" sz="4000" dirty="0" smtClean="0"/>
-              <a:t> </a:t>
-            </a:r>
-            <a:r>
-              <a:rPr lang="en-US" altLang="zh-TW" sz="4000" dirty="0" smtClean="0"/>
-              <a:t>Workflow </a:t>
-            </a:r>
-            <a:r>
-              <a:rPr lang="en-US" altLang="zh-TW" sz="4000" dirty="0" smtClean="0"/>
-              <a:t>for assessing possibility of donation</a:t>
+              <a:t> Workflow for assessing possibility of donation</a:t>
             </a:r>
             <a:endParaRPr lang="zh-TW" altLang="en-US" sz="4000" dirty="0"/>
           </a:p>
@@ -9288,13 +9274,13 @@
   <p:clrMapOvr>
     <a:masterClrMapping/>
   </p:clrMapOvr>
-  <mc:AlternateContent xmlns:mc="http://schemas.openxmlformats.org/markup-compatibility/2006">
-    <mc:Choice xmlns:p14="http://schemas.microsoft.com/office/powerpoint/2010/main" Requires="p14">
+  <mc:AlternateContent xmlns:mc="http://schemas.openxmlformats.org/markup-compatibility/2006" xmlns:p14="http://schemas.microsoft.com/office/powerpoint/2010/main">
+    <mc:Choice Requires="p14">
       <p:transition p14:dur="250">
         <p:fade/>
       </p:transition>
     </mc:Choice>
-    <mc:Fallback>
+    <mc:Fallback xmlns="">
       <p:transition>
         <p:fade/>
       </p:transition>
@@ -9416,7 +9402,7 @@
         </p:spPr>
         <p:txBody>
           <a:bodyPr>
-            <a:normAutofit/>
+            <a:normAutofit lnSpcReduction="10000"/>
           </a:bodyPr>
           <a:lstStyle/>
           <a:p>
@@ -9482,7 +9468,24 @@
             </a:r>
             <a:r>
               <a:rPr lang="zh-TW" altLang="en-US" dirty="0" smtClean="0"/>
-              <a:t>庫存</a:t>
+              <a:t>庫</a:t>
+            </a:r>
+            <a:r>
+              <a:rPr lang="zh-TW" altLang="en-US" dirty="0" smtClean="0"/>
+              <a:t>存</a:t>
+            </a:r>
+            <a:endParaRPr lang="en-US" altLang="zh-TW" dirty="0" smtClean="0"/>
+          </a:p>
+          <a:p>
+            <a:pPr marL="457200" lvl="1" indent="0">
+              <a:lnSpc>
+                <a:spcPct val="150000"/>
+              </a:lnSpc>
+              <a:buNone/>
+            </a:pPr>
+            <a:r>
+              <a:rPr lang="en-US" altLang="zh-TW" dirty="0" smtClean="0"/>
+              <a:t>(Disaster Relief Goods Inventory Dataset)</a:t>
             </a:r>
             <a:endParaRPr lang="en-US" altLang="zh-TW" dirty="0" smtClean="0"/>
           </a:p>
@@ -9636,7 +9639,7 @@
         </p:nvSpPr>
         <p:spPr>
           <a:xfrm rot="20695739">
-            <a:off x="6230323" y="2661768"/>
+            <a:off x="6416988" y="2915654"/>
             <a:ext cx="5740254" cy="1026694"/>
           </a:xfrm>
           <a:prstGeom prst="roundRect">
@@ -9720,13 +9723,13 @@
   <p:clrMapOvr>
     <a:masterClrMapping/>
   </p:clrMapOvr>
-  <mc:AlternateContent xmlns:mc="http://schemas.openxmlformats.org/markup-compatibility/2006">
-    <mc:Choice xmlns:p14="http://schemas.microsoft.com/office/powerpoint/2010/main" Requires="p14">
+  <mc:AlternateContent xmlns:mc="http://schemas.openxmlformats.org/markup-compatibility/2006" xmlns:p14="http://schemas.microsoft.com/office/powerpoint/2010/main">
+    <mc:Choice Requires="p14">
       <p:transition p14:dur="250">
         <p:fade/>
       </p:transition>
     </mc:Choice>
-    <mc:Fallback>
+    <mc:Fallback xmlns="">
       <p:transition>
         <p:fade/>
       </p:transition>
@@ -10506,13 +10509,13 @@
   <p:clrMapOvr>
     <a:masterClrMapping/>
   </p:clrMapOvr>
-  <mc:AlternateContent xmlns:mc="http://schemas.openxmlformats.org/markup-compatibility/2006">
-    <mc:Choice xmlns:p14="http://schemas.microsoft.com/office/powerpoint/2010/main" Requires="p14">
+  <mc:AlternateContent xmlns:mc="http://schemas.openxmlformats.org/markup-compatibility/2006" xmlns:p14="http://schemas.microsoft.com/office/powerpoint/2010/main">
+    <mc:Choice Requires="p14">
       <p:transition p14:dur="250">
         <p:fade/>
       </p:transition>
     </mc:Choice>
-    <mc:Fallback>
+    <mc:Fallback xmlns="">
       <p:transition>
         <p:fade/>
       </p:transition>
@@ -18332,13 +18335,13 @@
   <p:clrMapOvr>
     <a:masterClrMapping/>
   </p:clrMapOvr>
-  <mc:AlternateContent xmlns:mc="http://schemas.openxmlformats.org/markup-compatibility/2006">
-    <mc:Choice xmlns:p14="http://schemas.microsoft.com/office/powerpoint/2010/main" Requires="p14">
+  <mc:AlternateContent xmlns:mc="http://schemas.openxmlformats.org/markup-compatibility/2006" xmlns:p14="http://schemas.microsoft.com/office/powerpoint/2010/main">
+    <mc:Choice Requires="p14">
       <p:transition p14:dur="250">
         <p:fade/>
       </p:transition>
     </mc:Choice>
-    <mc:Fallback>
+    <mc:Fallback xmlns="">
       <p:transition>
         <p:fade/>
       </p:transition>
@@ -21142,13 +21145,13 @@
   <p:clrMapOvr>
     <a:masterClrMapping/>
   </p:clrMapOvr>
-  <mc:AlternateContent xmlns:mc="http://schemas.openxmlformats.org/markup-compatibility/2006">
-    <mc:Choice xmlns:p14="http://schemas.microsoft.com/office/powerpoint/2010/main" Requires="p14">
+  <mc:AlternateContent xmlns:mc="http://schemas.openxmlformats.org/markup-compatibility/2006" xmlns:p14="http://schemas.microsoft.com/office/powerpoint/2010/main">
+    <mc:Choice Requires="p14">
       <p:transition p14:dur="250">
         <p:fade/>
       </p:transition>
     </mc:Choice>
-    <mc:Fallback>
+    <mc:Fallback xmlns="">
       <p:transition>
         <p:fade/>
       </p:transition>
@@ -23360,13 +23363,13 @@
   <p:clrMapOvr>
     <a:masterClrMapping/>
   </p:clrMapOvr>
-  <mc:AlternateContent xmlns:mc="http://schemas.openxmlformats.org/markup-compatibility/2006">
-    <mc:Choice xmlns:p14="http://schemas.microsoft.com/office/powerpoint/2010/main" Requires="p14">
+  <mc:AlternateContent xmlns:mc="http://schemas.openxmlformats.org/markup-compatibility/2006" xmlns:p14="http://schemas.microsoft.com/office/powerpoint/2010/main">
+    <mc:Choice Requires="p14">
       <p:transition p14:dur="250">
         <p:fade/>
       </p:transition>
     </mc:Choice>
-    <mc:Fallback>
+    <mc:Fallback xmlns="">
       <p:transition>
         <p:fade/>
       </p:transition>
@@ -24272,11 +24275,7 @@
             </a:r>
             <a:r>
               <a:rPr lang="en-US" altLang="zh-TW" sz="4000" dirty="0" smtClean="0"/>
-              <a:t>hy it can </a:t>
-            </a:r>
-            <a:r>
-              <a:rPr lang="en-US" altLang="zh-TW" sz="4000" dirty="0" smtClean="0"/>
-              <a:t>work?</a:t>
+              <a:t>hy it can work?</a:t>
             </a:r>
             <a:endParaRPr lang="zh-TW" altLang="en-US" sz="4000" dirty="0"/>
           </a:p>
@@ -24292,13 +24291,13 @@
   <p:clrMapOvr>
     <a:masterClrMapping/>
   </p:clrMapOvr>
-  <mc:AlternateContent xmlns:mc="http://schemas.openxmlformats.org/markup-compatibility/2006">
-    <mc:Choice xmlns:p14="http://schemas.microsoft.com/office/powerpoint/2010/main" Requires="p14">
+  <mc:AlternateContent xmlns:mc="http://schemas.openxmlformats.org/markup-compatibility/2006" xmlns:p14="http://schemas.microsoft.com/office/powerpoint/2010/main">
+    <mc:Choice Requires="p14">
       <p:transition p14:dur="250">
         <p:fade/>
       </p:transition>
     </mc:Choice>
-    <mc:Fallback>
+    <mc:Fallback xmlns="">
       <p:transition>
         <p:fade/>
       </p:transition>
@@ -24645,13 +24644,13 @@
   <p:clrMapOvr>
     <a:masterClrMapping/>
   </p:clrMapOvr>
-  <mc:AlternateContent xmlns:mc="http://schemas.openxmlformats.org/markup-compatibility/2006">
-    <mc:Choice xmlns:p14="http://schemas.microsoft.com/office/powerpoint/2010/main" Requires="p14">
+  <mc:AlternateContent xmlns:mc="http://schemas.openxmlformats.org/markup-compatibility/2006" xmlns:p14="http://schemas.microsoft.com/office/powerpoint/2010/main">
+    <mc:Choice Requires="p14">
       <p:transition p14:dur="250">
         <p:fade/>
       </p:transition>
     </mc:Choice>
-    <mc:Fallback>
+    <mc:Fallback xmlns="">
       <p:transition>
         <p:fade/>
       </p:transition>
@@ -24755,13 +24754,13 @@
   <p:clrMapOvr>
     <a:masterClrMapping/>
   </p:clrMapOvr>
-  <mc:AlternateContent xmlns:mc="http://schemas.openxmlformats.org/markup-compatibility/2006">
-    <mc:Choice xmlns:p14="http://schemas.microsoft.com/office/powerpoint/2010/main" Requires="p14">
+  <mc:AlternateContent xmlns:mc="http://schemas.openxmlformats.org/markup-compatibility/2006" xmlns:p14="http://schemas.microsoft.com/office/powerpoint/2010/main">
+    <mc:Choice Requires="p14">
       <p:transition p14:dur="250">
         <p:fade/>
       </p:transition>
     </mc:Choice>
-    <mc:Fallback>
+    <mc:Fallback xmlns="">
       <p:transition>
         <p:fade/>
       </p:transition>
